--- a/materiais/material.pptx
+++ b/materiais/material.pptx
@@ -212,7 +212,7 @@
           <a:p>
             <a:fld id="{033A8239-D9B0-4769-8EBC-3FE80ECCB9E3}" type="datetimeFigureOut">
               <a:rPr lang="pt-BR" smtClean="0"/>
-              <a:t>01/07/2020</a:t>
+              <a:t>06/07/2020</a:t>
             </a:fld>
             <a:endParaRPr lang="pt-BR"/>
           </a:p>
@@ -626,7 +626,7 @@
           <a:p>
             <a:fld id="{75E2F84A-0C2A-4F7F-A1C3-F48C38C0A061}" type="datetimeFigureOut">
               <a:rPr lang="pt-BR" smtClean="0"/>
-              <a:t>01/07/2020</a:t>
+              <a:t>06/07/2020</a:t>
             </a:fld>
             <a:endParaRPr lang="pt-BR" dirty="0"/>
           </a:p>
@@ -824,7 +824,7 @@
           <a:p>
             <a:fld id="{75E2F84A-0C2A-4F7F-A1C3-F48C38C0A061}" type="datetimeFigureOut">
               <a:rPr lang="pt-BR" smtClean="0"/>
-              <a:t>01/07/2020</a:t>
+              <a:t>06/07/2020</a:t>
             </a:fld>
             <a:endParaRPr lang="pt-BR" dirty="0"/>
           </a:p>
@@ -1032,7 +1032,7 @@
           <a:p>
             <a:fld id="{75E2F84A-0C2A-4F7F-A1C3-F48C38C0A061}" type="datetimeFigureOut">
               <a:rPr lang="pt-BR" smtClean="0"/>
-              <a:t>01/07/2020</a:t>
+              <a:t>06/07/2020</a:t>
             </a:fld>
             <a:endParaRPr lang="pt-BR" dirty="0"/>
           </a:p>
@@ -1230,7 +1230,7 @@
           <a:p>
             <a:fld id="{75E2F84A-0C2A-4F7F-A1C3-F48C38C0A061}" type="datetimeFigureOut">
               <a:rPr lang="pt-BR" smtClean="0"/>
-              <a:t>01/07/2020</a:t>
+              <a:t>06/07/2020</a:t>
             </a:fld>
             <a:endParaRPr lang="pt-BR" dirty="0"/>
           </a:p>
@@ -1505,7 +1505,7 @@
           <a:p>
             <a:fld id="{75E2F84A-0C2A-4F7F-A1C3-F48C38C0A061}" type="datetimeFigureOut">
               <a:rPr lang="pt-BR" smtClean="0"/>
-              <a:t>01/07/2020</a:t>
+              <a:t>06/07/2020</a:t>
             </a:fld>
             <a:endParaRPr lang="pt-BR" dirty="0"/>
           </a:p>
@@ -1770,7 +1770,7 @@
           <a:p>
             <a:fld id="{75E2F84A-0C2A-4F7F-A1C3-F48C38C0A061}" type="datetimeFigureOut">
               <a:rPr lang="pt-BR" smtClean="0"/>
-              <a:t>01/07/2020</a:t>
+              <a:t>06/07/2020</a:t>
             </a:fld>
             <a:endParaRPr lang="pt-BR" dirty="0"/>
           </a:p>
@@ -2182,7 +2182,7 @@
           <a:p>
             <a:fld id="{75E2F84A-0C2A-4F7F-A1C3-F48C38C0A061}" type="datetimeFigureOut">
               <a:rPr lang="pt-BR" smtClean="0"/>
-              <a:t>01/07/2020</a:t>
+              <a:t>06/07/2020</a:t>
             </a:fld>
             <a:endParaRPr lang="pt-BR" dirty="0"/>
           </a:p>
@@ -2323,7 +2323,7 @@
           <a:p>
             <a:fld id="{75E2F84A-0C2A-4F7F-A1C3-F48C38C0A061}" type="datetimeFigureOut">
               <a:rPr lang="pt-BR" smtClean="0"/>
-              <a:t>01/07/2020</a:t>
+              <a:t>06/07/2020</a:t>
             </a:fld>
             <a:endParaRPr lang="pt-BR" dirty="0"/>
           </a:p>
@@ -2436,7 +2436,7 @@
           <a:p>
             <a:fld id="{75E2F84A-0C2A-4F7F-A1C3-F48C38C0A061}" type="datetimeFigureOut">
               <a:rPr lang="pt-BR" smtClean="0"/>
-              <a:t>01/07/2020</a:t>
+              <a:t>06/07/2020</a:t>
             </a:fld>
             <a:endParaRPr lang="pt-BR" dirty="0"/>
           </a:p>
@@ -2747,7 +2747,7 @@
           <a:p>
             <a:fld id="{75E2F84A-0C2A-4F7F-A1C3-F48C38C0A061}" type="datetimeFigureOut">
               <a:rPr lang="pt-BR" smtClean="0"/>
-              <a:t>01/07/2020</a:t>
+              <a:t>06/07/2020</a:t>
             </a:fld>
             <a:endParaRPr lang="pt-BR" dirty="0"/>
           </a:p>
@@ -3035,7 +3035,7 @@
           <a:p>
             <a:fld id="{75E2F84A-0C2A-4F7F-A1C3-F48C38C0A061}" type="datetimeFigureOut">
               <a:rPr lang="pt-BR" smtClean="0"/>
-              <a:t>01/07/2020</a:t>
+              <a:t>06/07/2020</a:t>
             </a:fld>
             <a:endParaRPr lang="pt-BR" dirty="0"/>
           </a:p>
@@ -3281,7 +3281,7 @@
           <a:p>
             <a:fld id="{75E2F84A-0C2A-4F7F-A1C3-F48C38C0A061}" type="datetimeFigureOut">
               <a:rPr lang="pt-BR" smtClean="0"/>
-              <a:t>01/07/2020</a:t>
+              <a:t>06/07/2020</a:t>
             </a:fld>
             <a:endParaRPr lang="pt-BR" dirty="0"/>
           </a:p>
@@ -4718,7 +4718,7 @@
           <a:graphicData uri="http://schemas.openxmlformats.org/presentationml/2006/ole">
             <mc:AlternateContent xmlns:mc="http://schemas.openxmlformats.org/markup-compatibility/2006">
               <mc:Choice xmlns:v="urn:schemas-microsoft-com:vml" Requires="v">
-                <p:oleObj spid="_x0000_s1028" name="Objeto de Shell de Gerenciador" showAsIcon="1" r:id="rId3" imgW="788760" imgH="488520" progId="Package">
+                <p:oleObj spid="_x0000_s1029" name="Objeto de Shell de Gerenciador" showAsIcon="1" r:id="rId3" imgW="788760" imgH="488520" progId="Package">
                   <p:embed/>
                 </p:oleObj>
               </mc:Choice>
